--- a/Documentation/PresentacionProyecto.pptx
+++ b/Documentation/PresentacionProyecto.pptx
@@ -2603,6 +2603,13 @@
     <a:masterClrMapping/>
   </p:clrMapOvr>
   <p:transition spd="med"/>
+  <p:timing>
+    <p:tnLst>
+      <p:par>
+        <p:cTn id="1" dur="indefinite" restart="never" nodeType="tmRoot"/>
+      </p:par>
+    </p:tnLst>
+  </p:timing>
 </p:sld>
 </file>
 
@@ -2690,7 +2697,96 @@
           </a:lstStyle>
           <a:p>
             <a:r>
-              <a:t>La farmacia +Salud es una empresa privada que se dedica al comercio de productos de cuidado de la salud.</a:t>
+              <a:rPr dirty="0"/>
+              <a:t>La </a:t>
+            </a:r>
+            <a:r>
+              <a:rPr dirty="0" err="1"/>
+              <a:t>farmacia</a:t>
+            </a:r>
+            <a:r>
+              <a:rPr dirty="0"/>
+              <a:t> +</a:t>
+            </a:r>
+            <a:r>
+              <a:rPr dirty="0" err="1"/>
+              <a:t>Salud</a:t>
+            </a:r>
+            <a:r>
+              <a:rPr dirty="0"/>
+              <a:t> </a:t>
+            </a:r>
+            <a:r>
+              <a:rPr dirty="0" err="1"/>
+              <a:t>es</a:t>
+            </a:r>
+            <a:r>
+              <a:rPr dirty="0"/>
+              <a:t> </a:t>
+            </a:r>
+            <a:r>
+              <a:rPr dirty="0" err="1"/>
+              <a:t>una</a:t>
+            </a:r>
+            <a:r>
+              <a:rPr dirty="0"/>
+              <a:t> </a:t>
+            </a:r>
+            <a:r>
+              <a:rPr dirty="0" err="1"/>
+              <a:t>empresa</a:t>
+            </a:r>
+            <a:r>
+              <a:rPr dirty="0"/>
+              <a:t> </a:t>
+            </a:r>
+            <a:r>
+              <a:rPr dirty="0" err="1"/>
+              <a:t>privada</a:t>
+            </a:r>
+            <a:r>
+              <a:rPr dirty="0"/>
+              <a:t> que se </a:t>
+            </a:r>
+            <a:r>
+              <a:rPr dirty="0" err="1"/>
+              <a:t>dedica</a:t>
+            </a:r>
+            <a:r>
+              <a:rPr dirty="0"/>
+              <a:t> al </a:t>
+            </a:r>
+            <a:r>
+              <a:rPr dirty="0" err="1"/>
+              <a:t>comercio</a:t>
+            </a:r>
+            <a:r>
+              <a:rPr dirty="0"/>
+              <a:t> de </a:t>
+            </a:r>
+            <a:r>
+              <a:rPr dirty="0" err="1"/>
+              <a:t>productos</a:t>
+            </a:r>
+            <a:r>
+              <a:rPr dirty="0"/>
+              <a:t> de </a:t>
+            </a:r>
+            <a:r>
+              <a:rPr dirty="0" err="1"/>
+              <a:t>cuidado</a:t>
+            </a:r>
+            <a:r>
+              <a:rPr dirty="0"/>
+              <a:t> de la </a:t>
+            </a:r>
+            <a:r>
+              <a:rPr dirty="0" err="1"/>
+              <a:t>salud</a:t>
+            </a:r>
+            <a:r>
+              <a:rPr dirty="0"/>
+              <a:t>.</a:t>
             </a:r>
           </a:p>
         </p:txBody>
@@ -3002,7 +3098,40 @@
               <a:defRPr sz="1824"/>
             </a:pPr>
             <a:r>
-              <a:t>El sistema solicitado pertenece al área de facturación:</a:t>
+              <a:rPr dirty="0"/>
+              <a:t>El </a:t>
+            </a:r>
+            <a:r>
+              <a:rPr dirty="0" err="1"/>
+              <a:t>sistema</a:t>
+            </a:r>
+            <a:r>
+              <a:rPr dirty="0"/>
+              <a:t> </a:t>
+            </a:r>
+            <a:r>
+              <a:rPr dirty="0" err="1"/>
+              <a:t>solicitado</a:t>
+            </a:r>
+            <a:r>
+              <a:rPr dirty="0"/>
+              <a:t> </a:t>
+            </a:r>
+            <a:r>
+              <a:rPr dirty="0" err="1"/>
+              <a:t>pertenece</a:t>
+            </a:r>
+            <a:r>
+              <a:rPr dirty="0"/>
+              <a:t> al </a:t>
+            </a:r>
+            <a:r>
+              <a:rPr dirty="0" err="1"/>
+              <a:t>área</a:t>
+            </a:r>
+            <a:r>
+              <a:rPr dirty="0"/>
+              <a:t> de facturación:</a:t>
             </a:r>
           </a:p>
           <a:p>
@@ -3019,7 +3148,28 @@
               <a:defRPr sz="1520"/>
             </a:pPr>
             <a:r>
-              <a:t>Compra y venta de productos.</a:t>
+              <a:rPr dirty="0" err="1"/>
+              <a:t>Compra</a:t>
+            </a:r>
+            <a:r>
+              <a:rPr dirty="0"/>
+              <a:t> y </a:t>
+            </a:r>
+            <a:r>
+              <a:rPr dirty="0" err="1"/>
+              <a:t>venta</a:t>
+            </a:r>
+            <a:r>
+              <a:rPr dirty="0"/>
+              <a:t> de </a:t>
+            </a:r>
+            <a:r>
+              <a:rPr dirty="0" err="1"/>
+              <a:t>productos</a:t>
+            </a:r>
+            <a:r>
+              <a:rPr dirty="0"/>
+              <a:t>.</a:t>
             </a:r>
           </a:p>
           <a:p>
@@ -3036,7 +3186,20 @@
               <a:defRPr sz="1520"/>
             </a:pPr>
             <a:r>
-              <a:t>Pedidos a proveedores.</a:t>
+              <a:rPr dirty="0" err="1"/>
+              <a:t>Pedidos</a:t>
+            </a:r>
+            <a:r>
+              <a:rPr dirty="0"/>
+              <a:t> a </a:t>
+            </a:r>
+            <a:r>
+              <a:rPr dirty="0" err="1"/>
+              <a:t>proveedores</a:t>
+            </a:r>
+            <a:r>
+              <a:rPr dirty="0"/>
+              <a:t>.</a:t>
             </a:r>
           </a:p>
           <a:p>
@@ -3053,7 +3216,12 @@
               <a:defRPr sz="1520"/>
             </a:pPr>
             <a:r>
-              <a:t>Inventario.</a:t>
+              <a:rPr dirty="0" err="1"/>
+              <a:t>Inventario</a:t>
+            </a:r>
+            <a:r>
+              <a:rPr dirty="0"/>
+              <a:t>.</a:t>
             </a:r>
           </a:p>
           <a:p>
@@ -3066,7 +3234,7 @@
               </a:spcBef>
               <a:defRPr sz="1520"/>
             </a:pPr>
-            <a:endParaRPr/>
+            <a:endParaRPr dirty="0"/>
           </a:p>
           <a:p>
             <a:pPr marL="260604" indent="-260604" defTabSz="694944">
@@ -3080,7 +3248,7 @@
               <a:buChar char="✓"/>
               <a:defRPr sz="1824"/>
             </a:pPr>
-            <a:endParaRPr/>
+            <a:endParaRPr dirty="0"/>
           </a:p>
         </p:txBody>
       </p:sp>
@@ -3090,6 +3258,13 @@
     <a:masterClrMapping/>
   </p:clrMapOvr>
   <p:transition spd="med"/>
+  <p:timing>
+    <p:tnLst>
+      <p:par>
+        <p:cTn id="1" dur="indefinite" restart="never" nodeType="tmRoot"/>
+      </p:par>
+    </p:tnLst>
+  </p:timing>
 </p:sld>
 </file>
 
@@ -3461,6 +3636,13 @@
     <a:masterClrMapping/>
   </p:clrMapOvr>
   <p:transition spd="med"/>
+  <p:timing>
+    <p:tnLst>
+      <p:par>
+        <p:cTn id="1" dur="indefinite" restart="never" nodeType="tmRoot"/>
+      </p:par>
+    </p:tnLst>
+  </p:timing>
 </p:sld>
 </file>
 
